--- a/building-ai-applications/ready/05__ServerlessLLMBedrock.pptx
+++ b/building-ai-applications/ready/05__ServerlessLLMBedrock.pptx
@@ -5,40 +5,40 @@
     <p:sldMasterId id="2147483651" r:id="rId1"/>
   </p:sldMasterIdLst>
   <p:notesMasterIdLst>
-    <p:notesMasterId r:id="rId2"/>
+    <p:notesMasterId r:id="rId30"/>
   </p:notesMasterIdLst>
   <p:handoutMasterIdLst>
-    <p:handoutMasterId r:id="rId3"/>
+    <p:handoutMasterId r:id="rId31"/>
   </p:handoutMasterIdLst>
   <p:sldIdLst>
-    <p:sldId id="256" r:id="rId9"/>
-    <p:sldId id="257" r:id="rId10"/>
-    <p:sldId id="258" r:id="rId11"/>
-    <p:sldId id="259" r:id="rId12"/>
-    <p:sldId id="260" r:id="rId13"/>
-    <p:sldId id="261" r:id="rId14"/>
-    <p:sldId id="262" r:id="rId15"/>
-    <p:sldId id="263" r:id="rId16"/>
-    <p:sldId id="264" r:id="rId17"/>
-    <p:sldId id="265" r:id="rId18"/>
-    <p:sldId id="266" r:id="rId19"/>
-    <p:sldId id="267" r:id="rId20"/>
-    <p:sldId id="268" r:id="rId21"/>
-    <p:sldId id="269" r:id="rId22"/>
-    <p:sldId id="270" r:id="rId23"/>
-    <p:sldId id="271" r:id="rId24"/>
-    <p:sldId id="272" r:id="rId25"/>
-    <p:sldId id="273" r:id="rId26"/>
-    <p:sldId id="274" r:id="rId27"/>
-    <p:sldId id="275" r:id="rId28"/>
-    <p:sldId id="276" r:id="rId29"/>
-    <p:sldId id="277" r:id="rId30"/>
-    <p:sldId id="278" r:id="rId31"/>
-    <p:sldId id="279" r:id="rId32"/>
-    <p:sldId id="280" r:id="rId33"/>
-    <p:sldId id="281" r:id="rId34"/>
-    <p:sldId id="282" r:id="rId35"/>
-    <p:sldId id="283" r:id="rId36"/>
+    <p:sldId id="256" r:id="rId2"/>
+    <p:sldId id="257" r:id="rId3"/>
+    <p:sldId id="258" r:id="rId4"/>
+    <p:sldId id="259" r:id="rId5"/>
+    <p:sldId id="260" r:id="rId6"/>
+    <p:sldId id="261" r:id="rId7"/>
+    <p:sldId id="262" r:id="rId8"/>
+    <p:sldId id="263" r:id="rId9"/>
+    <p:sldId id="264" r:id="rId10"/>
+    <p:sldId id="265" r:id="rId11"/>
+    <p:sldId id="266" r:id="rId12"/>
+    <p:sldId id="267" r:id="rId13"/>
+    <p:sldId id="268" r:id="rId14"/>
+    <p:sldId id="269" r:id="rId15"/>
+    <p:sldId id="270" r:id="rId16"/>
+    <p:sldId id="271" r:id="rId17"/>
+    <p:sldId id="272" r:id="rId18"/>
+    <p:sldId id="273" r:id="rId19"/>
+    <p:sldId id="274" r:id="rId20"/>
+    <p:sldId id="275" r:id="rId21"/>
+    <p:sldId id="276" r:id="rId22"/>
+    <p:sldId id="277" r:id="rId23"/>
+    <p:sldId id="278" r:id="rId24"/>
+    <p:sldId id="279" r:id="rId25"/>
+    <p:sldId id="280" r:id="rId26"/>
+    <p:sldId id="281" r:id="rId27"/>
+    <p:sldId id="282" r:id="rId28"/>
+    <p:sldId id="283" r:id="rId29"/>
   </p:sldIdLst>
   <p:sldSz cx="9372600" cy="8297863"/>
   <p:notesSz cx="7315200" cy="9601200"/>
@@ -206,9 +206,7 @@
   <p:cmAuthor id="2" name="Mark Kerzner" initials="MK" lastIdx="6" clrIdx="1"/>
   <p:cmAuthor id="3" name="Mary Beth Conlee" initials="MBC" lastIdx="7" clrIdx="2"/>
   <p:cmAuthor id="4" name="Michelle" initials="M" lastIdx="5" clrIdx="3"/>
-  <p:cmAuthor id="5" name="Tricia Murphy" initials="TM" lastIdx="4" clrIdx="4">
-    <p:extLst/>
-  </p:cmAuthor>
+  <p:cmAuthor id="5" name="Tricia Murphy" initials="TM" lastIdx="4" clrIdx="4"/>
 </p:cmAuthorLst>
 </file>
 
@@ -2291,7 +2289,7 @@
 </file>
 
 <file path=ppt/slides/slide1.xml><?xml version="1.0" encoding="utf-8"?>
-<p:sld xmlns:a="http://schemas.openxmlformats.org/drawingml/2006/main" xmlns:p="http://schemas.openxmlformats.org/presentationml/2006/main" xmlns:r="http://schemas.openxmlformats.org/officeDocument/2006/relationships">
+<p:sld xmlns:a="http://schemas.openxmlformats.org/drawingml/2006/main" xmlns:r="http://schemas.openxmlformats.org/officeDocument/2006/relationships" xmlns:p="http://schemas.openxmlformats.org/presentationml/2006/main">
   <p:cSld>
     <p:spTree>
       <p:nvGrpSpPr>
@@ -2299,7 +2297,14 @@
         <p:cNvGrpSpPr/>
         <p:nvPr/>
       </p:nvGrpSpPr>
-      <p:grpSpPr/>
+      <p:grpSpPr>
+        <a:xfrm>
+          <a:off x="0" y="0"/>
+          <a:ext cx="0" cy="0"/>
+          <a:chOff x="0" y="0"/>
+          <a:chExt cx="0" cy="0"/>
+        </a:xfrm>
+      </p:grpSpPr>
       <p:sp>
         <p:nvSpPr>
           <p:cNvPr id="2" name="Subtitle 1"/>
@@ -2307,7 +2312,7 @@
             <a:spLocks noGrp="1"/>
           </p:cNvSpPr>
           <p:nvPr>
-            <p:ph type="subTitle" idx="1" sz="quarter"/>
+            <p:ph type="subTitle" sz="quarter" idx="1"/>
           </p:nvPr>
         </p:nvSpPr>
         <p:spPr/>
@@ -2362,9 +2367,6 @@
               </a:rPr>
               <a:t>Serverless LLM with Bedrock</a:t>
             </a:r>
-            <a:endParaRPr sz="4200" b="1" i="0">
-              <a:latin typeface="Times New Roman"/>
-            </a:endParaRPr>
           </a:p>
         </p:txBody>
       </p:sp>
@@ -2410,7 +2412,7 @@
 </file>
 
 <file path=ppt/slides/slide10.xml><?xml version="1.0" encoding="utf-8"?>
-<p:sld xmlns:a="http://schemas.openxmlformats.org/drawingml/2006/main" xmlns:p="http://schemas.openxmlformats.org/presentationml/2006/main" xmlns:r="http://schemas.openxmlformats.org/officeDocument/2006/relationships">
+<p:sld xmlns:a="http://schemas.openxmlformats.org/drawingml/2006/main" xmlns:r="http://schemas.openxmlformats.org/officeDocument/2006/relationships" xmlns:p="http://schemas.openxmlformats.org/presentationml/2006/main">
   <p:cSld>
     <p:spTree>
       <p:nvGrpSpPr>
@@ -2418,7 +2420,14 @@
         <p:cNvGrpSpPr/>
         <p:nvPr/>
       </p:nvGrpSpPr>
-      <p:grpSpPr/>
+      <p:grpSpPr>
+        <a:xfrm>
+          <a:off x="0" y="0"/>
+          <a:ext cx="0" cy="0"/>
+          <a:chOff x="0" y="0"/>
+          <a:chExt cx="0" cy="0"/>
+        </a:xfrm>
+      </p:grpSpPr>
       <p:sp>
         <p:nvSpPr>
           <p:cNvPr id="2" name="Subtitle 1"/>
@@ -2426,7 +2435,7 @@
             <a:spLocks noGrp="1"/>
           </p:cNvSpPr>
           <p:nvPr>
-            <p:ph type="subTitle" idx="1" sz="quarter"/>
+            <p:ph type="subTitle" sz="quarter" idx="1"/>
           </p:nvPr>
         </p:nvSpPr>
         <p:spPr/>
@@ -2448,10 +2457,7 @@
             </a:r>
             <a:r>
               <a:t>Enable Logging in Bedrock
-</a:t>
-            </a:r>
-            <a:r>
-              <a:t>Deploying an AWS Lambda Function
+Deploying an AWS Lambda Function
 </a:t>
             </a:r>
           </a:p>
@@ -2480,9 +2486,6 @@
               </a:rPr>
               <a:t>Summarizing an Audio File</a:t>
             </a:r>
-            <a:endParaRPr sz="4200" b="1" i="0">
-              <a:latin typeface="Times New Roman"/>
-            </a:endParaRPr>
           </a:p>
         </p:txBody>
       </p:sp>
@@ -2528,7 +2531,7 @@
 </file>
 
 <file path=ppt/slides/slide11.xml><?xml version="1.0" encoding="utf-8"?>
-<p:sld xmlns:a="http://schemas.openxmlformats.org/drawingml/2006/main" xmlns:p="http://schemas.openxmlformats.org/presentationml/2006/main" xmlns:r="http://schemas.openxmlformats.org/officeDocument/2006/relationships">
+<p:sld xmlns:a="http://schemas.openxmlformats.org/drawingml/2006/main" xmlns:r="http://schemas.openxmlformats.org/officeDocument/2006/relationships" xmlns:p="http://schemas.openxmlformats.org/presentationml/2006/main">
   <p:cSld>
     <p:spTree>
       <p:nvGrpSpPr>
@@ -2536,7 +2539,14 @@
         <p:cNvGrpSpPr/>
         <p:nvPr/>
       </p:nvGrpSpPr>
-      <p:grpSpPr/>
+      <p:grpSpPr>
+        <a:xfrm>
+          <a:off x="0" y="0"/>
+          <a:ext cx="0" cy="0"/>
+          <a:chOff x="0" y="0"/>
+          <a:chExt cx="0" cy="0"/>
+        </a:xfrm>
+      </p:grpSpPr>
       <p:sp>
         <p:nvSpPr>
           <p:cNvPr id="2" name="Title 1"/>
@@ -2657,7 +2667,7 @@
 </file>
 
 <file path=ppt/slides/slide12.xml><?xml version="1.0" encoding="utf-8"?>
-<p:sld xmlns:a="http://schemas.openxmlformats.org/drawingml/2006/main" xmlns:p="http://schemas.openxmlformats.org/presentationml/2006/main" xmlns:r="http://schemas.openxmlformats.org/officeDocument/2006/relationships">
+<p:sld xmlns:a="http://schemas.openxmlformats.org/drawingml/2006/main" xmlns:r="http://schemas.openxmlformats.org/officeDocument/2006/relationships" xmlns:p="http://schemas.openxmlformats.org/presentationml/2006/main">
   <p:cSld>
     <p:spTree>
       <p:nvGrpSpPr>
@@ -2665,7 +2675,14 @@
         <p:cNvGrpSpPr/>
         <p:nvPr/>
       </p:nvGrpSpPr>
-      <p:grpSpPr/>
+      <p:grpSpPr>
+        <a:xfrm>
+          <a:off x="0" y="0"/>
+          <a:ext cx="0" cy="0"/>
+          <a:chOff x="0" y="0"/>
+          <a:chExt cx="0" cy="0"/>
+        </a:xfrm>
+      </p:grpSpPr>
       <p:sp>
         <p:nvSpPr>
           <p:cNvPr id="2" name="Title 1"/>
@@ -2772,7 +2789,7 @@
 </file>
 
 <file path=ppt/slides/slide13.xml><?xml version="1.0" encoding="utf-8"?>
-<p:sld xmlns:a="http://schemas.openxmlformats.org/drawingml/2006/main" xmlns:p="http://schemas.openxmlformats.org/presentationml/2006/main" xmlns:r="http://schemas.openxmlformats.org/officeDocument/2006/relationships">
+<p:sld xmlns:a="http://schemas.openxmlformats.org/drawingml/2006/main" xmlns:r="http://schemas.openxmlformats.org/officeDocument/2006/relationships" xmlns:p="http://schemas.openxmlformats.org/presentationml/2006/main">
   <p:cSld>
     <p:spTree>
       <p:nvGrpSpPr>
@@ -2780,7 +2797,14 @@
         <p:cNvGrpSpPr/>
         <p:nvPr/>
       </p:nvGrpSpPr>
-      <p:grpSpPr/>
+      <p:grpSpPr>
+        <a:xfrm>
+          <a:off x="0" y="0"/>
+          <a:ext cx="0" cy="0"/>
+          <a:chOff x="0" y="0"/>
+          <a:chExt cx="0" cy="0"/>
+        </a:xfrm>
+      </p:grpSpPr>
       <p:sp>
         <p:nvSpPr>
           <p:cNvPr id="2" name="Title 1"/>
@@ -2818,24 +2842,52 @@
           <a:lstStyle/>
           <a:p>
             <a:r>
+              <a:rPr dirty="0"/>
               <a:t> Use Amazon Transcribe for speech-to-text conversion:</a:t>
             </a:r>
-          </a:p>
-          <a:p/>
-          <a:p/>
-          <a:p/>
-          <a:p>
-            <a:r>
-              <a:rPr b="1"/>
+            <a:endParaRPr lang="en-US" dirty="0"/>
+          </a:p>
+          <a:p>
+            <a:endParaRPr lang="en-US" dirty="0"/>
+          </a:p>
+          <a:p>
+            <a:endParaRPr lang="en-US" dirty="0"/>
+          </a:p>
+          <a:p>
+            <a:endParaRPr lang="en-US" dirty="0"/>
+          </a:p>
+          <a:p>
+            <a:endParaRPr lang="en-US" dirty="0"/>
+          </a:p>
+          <a:p>
+            <a:endParaRPr lang="en-US" dirty="0"/>
+          </a:p>
+          <a:p>
+            <a:endParaRPr dirty="0"/>
+          </a:p>
+          <a:p>
+            <a:endParaRPr dirty="0"/>
+          </a:p>
+          <a:p>
+            <a:endParaRPr dirty="0"/>
+          </a:p>
+          <a:p>
+            <a:endParaRPr dirty="0"/>
+          </a:p>
+          <a:p>
+            <a:r>
+              <a:rPr b="1" dirty="0"/>
               <a:t> Key Insight</a:t>
             </a:r>
             <a:r>
+              <a:rPr dirty="0"/>
               <a:t> :</a:t>
             </a:r>
           </a:p>
           <a:p>
             <a:pPr lvl="1"/>
             <a:r>
+              <a:rPr dirty="0"/>
               <a:t> Transcribe can handle multiple languages and audio formats, making it versatile for global applications.</a:t>
             </a:r>
           </a:p>
@@ -2890,8 +2942,8 @@
         </p:blipFill>
         <p:spPr>
           <a:xfrm>
-            <a:off x="0" y="1353312"/>
-            <a:ext cx="8788400" cy="2387600"/>
+            <a:off x="0" y="1997124"/>
+            <a:ext cx="9029700" cy="2453155"/>
           </a:xfrm>
           <a:prstGeom prst="rect">
             <a:avLst/>
@@ -2907,7 +2959,7 @@
 </file>
 
 <file path=ppt/slides/slide14.xml><?xml version="1.0" encoding="utf-8"?>
-<p:sld xmlns:a="http://schemas.openxmlformats.org/drawingml/2006/main" xmlns:p="http://schemas.openxmlformats.org/presentationml/2006/main" xmlns:r="http://schemas.openxmlformats.org/officeDocument/2006/relationships">
+<p:sld xmlns:a="http://schemas.openxmlformats.org/drawingml/2006/main" xmlns:r="http://schemas.openxmlformats.org/officeDocument/2006/relationships" xmlns:p="http://schemas.openxmlformats.org/presentationml/2006/main">
   <p:cSld>
     <p:spTree>
       <p:nvGrpSpPr>
@@ -2915,7 +2967,14 @@
         <p:cNvGrpSpPr/>
         <p:nvPr/>
       </p:nvGrpSpPr>
-      <p:grpSpPr/>
+      <p:grpSpPr>
+        <a:xfrm>
+          <a:off x="0" y="0"/>
+          <a:ext cx="0" cy="0"/>
+          <a:chOff x="0" y="0"/>
+          <a:chExt cx="0" cy="0"/>
+        </a:xfrm>
+      </p:grpSpPr>
       <p:sp>
         <p:nvSpPr>
           <p:cNvPr id="2" name="Title 1"/>
@@ -2956,10 +3015,18 @@
               <a:t> Use Bedrock to summarize the transcribed text:</a:t>
             </a:r>
           </a:p>
-          <a:p/>
-          <a:p/>
-          <a:p/>
-          <a:p/>
+          <a:p>
+            <a:endParaRPr/>
+          </a:p>
+          <a:p>
+            <a:endParaRPr/>
+          </a:p>
+          <a:p>
+            <a:endParaRPr/>
+          </a:p>
+          <a:p>
+            <a:endParaRPr/>
+          </a:p>
         </p:txBody>
       </p:sp>
       <p:sp>
@@ -3011,8 +3078,8 @@
         </p:blipFill>
         <p:spPr>
           <a:xfrm>
-            <a:off x="0" y="1353312"/>
-            <a:ext cx="11379200" cy="2654300"/>
+            <a:off x="0" y="2940587"/>
+            <a:ext cx="9372600" cy="2186243"/>
           </a:xfrm>
           <a:prstGeom prst="rect">
             <a:avLst/>
@@ -3028,7 +3095,7 @@
 </file>
 
 <file path=ppt/slides/slide15.xml><?xml version="1.0" encoding="utf-8"?>
-<p:sld xmlns:a="http://schemas.openxmlformats.org/drawingml/2006/main" xmlns:p="http://schemas.openxmlformats.org/presentationml/2006/main" xmlns:r="http://schemas.openxmlformats.org/officeDocument/2006/relationships">
+<p:sld xmlns:a="http://schemas.openxmlformats.org/drawingml/2006/main" xmlns:r="http://schemas.openxmlformats.org/officeDocument/2006/relationships" xmlns:p="http://schemas.openxmlformats.org/presentationml/2006/main">
   <p:cSld>
     <p:spTree>
       <p:nvGrpSpPr>
@@ -3036,7 +3103,14 @@
         <p:cNvGrpSpPr/>
         <p:nvPr/>
       </p:nvGrpSpPr>
-      <p:grpSpPr/>
+      <p:grpSpPr>
+        <a:xfrm>
+          <a:off x="0" y="0"/>
+          <a:ext cx="0" cy="0"/>
+          <a:chOff x="0" y="0"/>
+          <a:chExt cx="0" cy="0"/>
+        </a:xfrm>
+      </p:grpSpPr>
       <p:sp>
         <p:nvSpPr>
           <p:cNvPr id="2" name="Title 1"/>
@@ -3152,7 +3226,7 @@
 </file>
 
 <file path=ppt/slides/slide16.xml><?xml version="1.0" encoding="utf-8"?>
-<p:sld xmlns:a="http://schemas.openxmlformats.org/drawingml/2006/main" xmlns:p="http://schemas.openxmlformats.org/presentationml/2006/main" xmlns:r="http://schemas.openxmlformats.org/officeDocument/2006/relationships">
+<p:sld xmlns:a="http://schemas.openxmlformats.org/drawingml/2006/main" xmlns:r="http://schemas.openxmlformats.org/officeDocument/2006/relationships" xmlns:p="http://schemas.openxmlformats.org/presentationml/2006/main">
   <p:cSld>
     <p:spTree>
       <p:nvGrpSpPr>
@@ -3160,7 +3234,14 @@
         <p:cNvGrpSpPr/>
         <p:nvPr/>
       </p:nvGrpSpPr>
-      <p:grpSpPr/>
+      <p:grpSpPr>
+        <a:xfrm>
+          <a:off x="0" y="0"/>
+          <a:ext cx="0" cy="0"/>
+          <a:chOff x="0" y="0"/>
+          <a:chExt cx="0" cy="0"/>
+        </a:xfrm>
+      </p:grpSpPr>
       <p:sp>
         <p:nvSpPr>
           <p:cNvPr id="2" name="Title 1"/>
@@ -3282,7 +3363,7 @@
 </file>
 
 <file path=ppt/slides/slide17.xml><?xml version="1.0" encoding="utf-8"?>
-<p:sld xmlns:a="http://schemas.openxmlformats.org/drawingml/2006/main" xmlns:p="http://schemas.openxmlformats.org/presentationml/2006/main" xmlns:r="http://schemas.openxmlformats.org/officeDocument/2006/relationships">
+<p:sld xmlns:a="http://schemas.openxmlformats.org/drawingml/2006/main" xmlns:r="http://schemas.openxmlformats.org/officeDocument/2006/relationships" xmlns:p="http://schemas.openxmlformats.org/presentationml/2006/main">
   <p:cSld>
     <p:spTree>
       <p:nvGrpSpPr>
@@ -3290,7 +3371,14 @@
         <p:cNvGrpSpPr/>
         <p:nvPr/>
       </p:nvGrpSpPr>
-      <p:grpSpPr/>
+      <p:grpSpPr>
+        <a:xfrm>
+          <a:off x="0" y="0"/>
+          <a:ext cx="0" cy="0"/>
+          <a:chOff x="0" y="0"/>
+          <a:chExt cx="0" cy="0"/>
+        </a:xfrm>
+      </p:grpSpPr>
       <p:sp>
         <p:nvSpPr>
           <p:cNvPr id="2" name="Subtitle 1"/>
@@ -3298,7 +3386,7 @@
             <a:spLocks noGrp="1"/>
           </p:cNvSpPr>
           <p:nvPr>
-            <p:ph type="subTitle" idx="1" sz="quarter"/>
+            <p:ph type="subTitle" sz="quarter" idx="1"/>
           </p:nvPr>
         </p:nvSpPr>
         <p:spPr/>
@@ -3311,10 +3399,7 @@
             </a:pPr>
             <a:r>
               <a:t>Starting with Amazon Bedrock
-</a:t>
-            </a:r>
-            <a:r>
-              <a:t>Summarizing an Audio File
+Summarizing an Audio File
 </a:t>
             </a:r>
             <a:r>
@@ -3352,9 +3437,6 @@
               </a:rPr>
               <a:t>Enable Logging in Bedrock</a:t>
             </a:r>
-            <a:endParaRPr sz="4200" b="1" i="0">
-              <a:latin typeface="Times New Roman"/>
-            </a:endParaRPr>
           </a:p>
         </p:txBody>
       </p:sp>
@@ -3400,7 +3482,7 @@
 </file>
 
 <file path=ppt/slides/slide18.xml><?xml version="1.0" encoding="utf-8"?>
-<p:sld xmlns:a="http://schemas.openxmlformats.org/drawingml/2006/main" xmlns:p="http://schemas.openxmlformats.org/presentationml/2006/main" xmlns:r="http://schemas.openxmlformats.org/officeDocument/2006/relationships">
+<p:sld xmlns:a="http://schemas.openxmlformats.org/drawingml/2006/main" xmlns:r="http://schemas.openxmlformats.org/officeDocument/2006/relationships" xmlns:p="http://schemas.openxmlformats.org/presentationml/2006/main">
   <p:cSld>
     <p:spTree>
       <p:nvGrpSpPr>
@@ -3408,7 +3490,14 @@
         <p:cNvGrpSpPr/>
         <p:nvPr/>
       </p:nvGrpSpPr>
-      <p:grpSpPr/>
+      <p:grpSpPr>
+        <a:xfrm>
+          <a:off x="0" y="0"/>
+          <a:ext cx="0" cy="0"/>
+          <a:chOff x="0" y="0"/>
+          <a:chExt cx="0" cy="0"/>
+        </a:xfrm>
+      </p:grpSpPr>
       <p:sp>
         <p:nvSpPr>
           <p:cNvPr id="2" name="Title 1"/>
@@ -3514,7 +3603,7 @@
 </file>
 
 <file path=ppt/slides/slide19.xml><?xml version="1.0" encoding="utf-8"?>
-<p:sld xmlns:a="http://schemas.openxmlformats.org/drawingml/2006/main" xmlns:p="http://schemas.openxmlformats.org/presentationml/2006/main" xmlns:r="http://schemas.openxmlformats.org/officeDocument/2006/relationships">
+<p:sld xmlns:a="http://schemas.openxmlformats.org/drawingml/2006/main" xmlns:r="http://schemas.openxmlformats.org/officeDocument/2006/relationships" xmlns:p="http://schemas.openxmlformats.org/presentationml/2006/main">
   <p:cSld>
     <p:spTree>
       <p:nvGrpSpPr>
@@ -3522,7 +3611,14 @@
         <p:cNvGrpSpPr/>
         <p:nvPr/>
       </p:nvGrpSpPr>
-      <p:grpSpPr/>
+      <p:grpSpPr>
+        <a:xfrm>
+          <a:off x="0" y="0"/>
+          <a:ext cx="0" cy="0"/>
+          <a:chOff x="0" y="0"/>
+          <a:chExt cx="0" cy="0"/>
+        </a:xfrm>
+      </p:grpSpPr>
       <p:sp>
         <p:nvSpPr>
           <p:cNvPr id="2" name="Title 1"/>
@@ -3641,7 +3737,7 @@
 </file>
 
 <file path=ppt/slides/slide2.xml><?xml version="1.0" encoding="utf-8"?>
-<p:sld xmlns:a="http://schemas.openxmlformats.org/drawingml/2006/main" xmlns:p="http://schemas.openxmlformats.org/presentationml/2006/main" xmlns:r="http://schemas.openxmlformats.org/officeDocument/2006/relationships">
+<p:sld xmlns:a="http://schemas.openxmlformats.org/drawingml/2006/main" xmlns:r="http://schemas.openxmlformats.org/officeDocument/2006/relationships" xmlns:p="http://schemas.openxmlformats.org/presentationml/2006/main">
   <p:cSld>
     <p:spTree>
       <p:nvGrpSpPr>
@@ -3649,7 +3745,14 @@
         <p:cNvGrpSpPr/>
         <p:nvPr/>
       </p:nvGrpSpPr>
-      <p:grpSpPr/>
+      <p:grpSpPr>
+        <a:xfrm>
+          <a:off x="0" y="0"/>
+          <a:ext cx="0" cy="0"/>
+          <a:chOff x="0" y="0"/>
+          <a:chExt cx="0" cy="0"/>
+        </a:xfrm>
+      </p:grpSpPr>
       <p:sp>
         <p:nvSpPr>
           <p:cNvPr id="2" name="Subtitle 1"/>
@@ -3657,7 +3760,7 @@
             <a:spLocks noGrp="1"/>
           </p:cNvSpPr>
           <p:nvPr>
-            <p:ph type="subTitle" idx="1" sz="quarter"/>
+            <p:ph type="subTitle" sz="quarter" idx="1"/>
           </p:nvPr>
         </p:nvSpPr>
         <p:spPr/>
@@ -3675,14 +3778,8 @@
             </a:r>
             <a:r>
               <a:t>Summarizing an Audio File
-</a:t>
-            </a:r>
-            <a:r>
-              <a:t>Enable Logging in Bedrock
-</a:t>
-            </a:r>
-            <a:r>
-              <a:t>Deploying an AWS Lambda Function
+Enable Logging in Bedrock
+Deploying an AWS Lambda Function
 </a:t>
             </a:r>
           </a:p>
@@ -3711,9 +3808,6 @@
               </a:rPr>
               <a:t>Starting with Amazon Bedrock</a:t>
             </a:r>
-            <a:endParaRPr sz="4200" b="1" i="0">
-              <a:latin typeface="Times New Roman"/>
-            </a:endParaRPr>
           </a:p>
         </p:txBody>
       </p:sp>
@@ -3759,7 +3853,7 @@
 </file>
 
 <file path=ppt/slides/slide20.xml><?xml version="1.0" encoding="utf-8"?>
-<p:sld xmlns:a="http://schemas.openxmlformats.org/drawingml/2006/main" xmlns:p="http://schemas.openxmlformats.org/presentationml/2006/main" xmlns:r="http://schemas.openxmlformats.org/officeDocument/2006/relationships">
+<p:sld xmlns:a="http://schemas.openxmlformats.org/drawingml/2006/main" xmlns:r="http://schemas.openxmlformats.org/officeDocument/2006/relationships" xmlns:p="http://schemas.openxmlformats.org/presentationml/2006/main">
   <p:cSld>
     <p:spTree>
       <p:nvGrpSpPr>
@@ -3767,7 +3861,14 @@
         <p:cNvGrpSpPr/>
         <p:nvPr/>
       </p:nvGrpSpPr>
-      <p:grpSpPr/>
+      <p:grpSpPr>
+        <a:xfrm>
+          <a:off x="0" y="0"/>
+          <a:ext cx="0" cy="0"/>
+          <a:chOff x="0" y="0"/>
+          <a:chExt cx="0" cy="0"/>
+        </a:xfrm>
+      </p:grpSpPr>
       <p:sp>
         <p:nvSpPr>
           <p:cNvPr id="2" name="Title 1"/>
@@ -3808,8 +3909,12 @@
               <a:t> Example:</a:t>
             </a:r>
           </a:p>
-          <a:p/>
-          <a:p/>
+          <a:p>
+            <a:endParaRPr/>
+          </a:p>
+          <a:p>
+            <a:endParaRPr/>
+          </a:p>
         </p:txBody>
       </p:sp>
       <p:sp>
@@ -3861,8 +3966,8 @@
         </p:blipFill>
         <p:spPr>
           <a:xfrm>
-            <a:off x="0" y="1353312"/>
-            <a:ext cx="6654800" cy="1320800"/>
+            <a:off x="114300" y="2701131"/>
+            <a:ext cx="8830408" cy="1752600"/>
           </a:xfrm>
           <a:prstGeom prst="rect">
             <a:avLst/>
@@ -3878,7 +3983,7 @@
 </file>
 
 <file path=ppt/slides/slide21.xml><?xml version="1.0" encoding="utf-8"?>
-<p:sld xmlns:a="http://schemas.openxmlformats.org/drawingml/2006/main" xmlns:p="http://schemas.openxmlformats.org/presentationml/2006/main" xmlns:r="http://schemas.openxmlformats.org/officeDocument/2006/relationships">
+<p:sld xmlns:a="http://schemas.openxmlformats.org/drawingml/2006/main" xmlns:r="http://schemas.openxmlformats.org/officeDocument/2006/relationships" xmlns:p="http://schemas.openxmlformats.org/presentationml/2006/main">
   <p:cSld>
     <p:spTree>
       <p:nvGrpSpPr>
@@ -3886,7 +3991,14 @@
         <p:cNvGrpSpPr/>
         <p:nvPr/>
       </p:nvGrpSpPr>
-      <p:grpSpPr/>
+      <p:grpSpPr>
+        <a:xfrm>
+          <a:off x="0" y="0"/>
+          <a:ext cx="0" cy="0"/>
+          <a:chOff x="0" y="0"/>
+          <a:chExt cx="0" cy="0"/>
+        </a:xfrm>
+      </p:grpSpPr>
       <p:sp>
         <p:nvSpPr>
           <p:cNvPr id="2" name="Title 1"/>
@@ -3927,10 +4039,18 @@
               <a:t> Example:</a:t>
             </a:r>
           </a:p>
-          <a:p/>
-          <a:p/>
-          <a:p/>
-          <a:p/>
+          <a:p>
+            <a:endParaRPr/>
+          </a:p>
+          <a:p>
+            <a:endParaRPr/>
+          </a:p>
+          <a:p>
+            <a:endParaRPr/>
+          </a:p>
+          <a:p>
+            <a:endParaRPr/>
+          </a:p>
         </p:txBody>
       </p:sp>
       <p:sp>
@@ -3982,8 +4102,8 @@
         </p:blipFill>
         <p:spPr>
           <a:xfrm>
-            <a:off x="0" y="1353312"/>
-            <a:ext cx="8636000" cy="2654300"/>
+            <a:off x="-1" y="2091531"/>
+            <a:ext cx="9173167" cy="2819400"/>
           </a:xfrm>
           <a:prstGeom prst="rect">
             <a:avLst/>
@@ -3999,7 +4119,7 @@
 </file>
 
 <file path=ppt/slides/slide22.xml><?xml version="1.0" encoding="utf-8"?>
-<p:sld xmlns:a="http://schemas.openxmlformats.org/drawingml/2006/main" xmlns:p="http://schemas.openxmlformats.org/presentationml/2006/main" xmlns:r="http://schemas.openxmlformats.org/officeDocument/2006/relationships">
+<p:sld xmlns:a="http://schemas.openxmlformats.org/drawingml/2006/main" xmlns:r="http://schemas.openxmlformats.org/officeDocument/2006/relationships" xmlns:p="http://schemas.openxmlformats.org/presentationml/2006/main">
   <p:cSld>
     <p:spTree>
       <p:nvGrpSpPr>
@@ -4007,7 +4127,14 @@
         <p:cNvGrpSpPr/>
         <p:nvPr/>
       </p:nvGrpSpPr>
-      <p:grpSpPr/>
+      <p:grpSpPr>
+        <a:xfrm>
+          <a:off x="0" y="0"/>
+          <a:ext cx="0" cy="0"/>
+          <a:chOff x="0" y="0"/>
+          <a:chExt cx="0" cy="0"/>
+        </a:xfrm>
+      </p:grpSpPr>
       <p:sp>
         <p:nvSpPr>
           <p:cNvPr id="2" name="Title 1"/>
@@ -4045,20 +4172,42 @@
           <a:lstStyle/>
           <a:p>
             <a:r>
+              <a:rPr dirty="0"/>
               <a:t> Use CloudWatch Insights to analyze logs:</a:t>
             </a:r>
-          </a:p>
-          <a:p/>
-          <a:p/>
-          <a:p>
-            <a:r>
-              <a:rPr b="1"/>
+            <a:endParaRPr lang="en-US" dirty="0"/>
+          </a:p>
+          <a:p>
+            <a:endParaRPr lang="en-US" dirty="0"/>
+          </a:p>
+          <a:p>
+            <a:endParaRPr lang="en-US" dirty="0"/>
+          </a:p>
+          <a:p>
+            <a:endParaRPr lang="en-US" dirty="0"/>
+          </a:p>
+          <a:p>
+            <a:endParaRPr lang="en-US" dirty="0"/>
+          </a:p>
+          <a:p>
+            <a:endParaRPr dirty="0"/>
+          </a:p>
+          <a:p>
+            <a:endParaRPr dirty="0"/>
+          </a:p>
+          <a:p>
+            <a:endParaRPr dirty="0"/>
+          </a:p>
+          <a:p>
+            <a:r>
+              <a:rPr b="1" dirty="0"/>
               <a:t> Why use Insights?</a:t>
             </a:r>
           </a:p>
           <a:p>
             <a:pPr lvl="1"/>
             <a:r>
+              <a:rPr dirty="0"/>
               <a:t> Provides advanced querying capabilities to extract meaningful patterns from logs.</a:t>
             </a:r>
           </a:p>
@@ -4113,8 +4262,8 @@
         </p:blipFill>
         <p:spPr>
           <a:xfrm>
-            <a:off x="0" y="1353312"/>
-            <a:ext cx="4826000" cy="1054100"/>
+            <a:off x="-1" y="2167731"/>
+            <a:ext cx="8372819" cy="1828800"/>
           </a:xfrm>
           <a:prstGeom prst="rect">
             <a:avLst/>
@@ -4130,7 +4279,7 @@
 </file>
 
 <file path=ppt/slides/slide23.xml><?xml version="1.0" encoding="utf-8"?>
-<p:sld xmlns:a="http://schemas.openxmlformats.org/drawingml/2006/main" xmlns:p="http://schemas.openxmlformats.org/presentationml/2006/main" xmlns:r="http://schemas.openxmlformats.org/officeDocument/2006/relationships">
+<p:sld xmlns:a="http://schemas.openxmlformats.org/drawingml/2006/main" xmlns:r="http://schemas.openxmlformats.org/officeDocument/2006/relationships" xmlns:p="http://schemas.openxmlformats.org/presentationml/2006/main">
   <p:cSld>
     <p:spTree>
       <p:nvGrpSpPr>
@@ -4138,7 +4287,14 @@
         <p:cNvGrpSpPr/>
         <p:nvPr/>
       </p:nvGrpSpPr>
-      <p:grpSpPr/>
+      <p:grpSpPr>
+        <a:xfrm>
+          <a:off x="0" y="0"/>
+          <a:ext cx="0" cy="0"/>
+          <a:chOff x="0" y="0"/>
+          <a:chExt cx="0" cy="0"/>
+        </a:xfrm>
+      </p:grpSpPr>
       <p:sp>
         <p:nvSpPr>
           <p:cNvPr id="2" name="Title 1"/>
@@ -4228,7 +4384,7 @@
 </file>
 
 <file path=ppt/slides/slide24.xml><?xml version="1.0" encoding="utf-8"?>
-<p:sld xmlns:a="http://schemas.openxmlformats.org/drawingml/2006/main" xmlns:p="http://schemas.openxmlformats.org/presentationml/2006/main" xmlns:r="http://schemas.openxmlformats.org/officeDocument/2006/relationships">
+<p:sld xmlns:a="http://schemas.openxmlformats.org/drawingml/2006/main" xmlns:r="http://schemas.openxmlformats.org/officeDocument/2006/relationships" xmlns:p="http://schemas.openxmlformats.org/presentationml/2006/main">
   <p:cSld>
     <p:spTree>
       <p:nvGrpSpPr>
@@ -4236,7 +4392,14 @@
         <p:cNvGrpSpPr/>
         <p:nvPr/>
       </p:nvGrpSpPr>
-      <p:grpSpPr/>
+      <p:grpSpPr>
+        <a:xfrm>
+          <a:off x="0" y="0"/>
+          <a:ext cx="0" cy="0"/>
+          <a:chOff x="0" y="0"/>
+          <a:chExt cx="0" cy="0"/>
+        </a:xfrm>
+      </p:grpSpPr>
       <p:sp>
         <p:nvSpPr>
           <p:cNvPr id="2" name="Subtitle 1"/>
@@ -4244,7 +4407,7 @@
             <a:spLocks noGrp="1"/>
           </p:cNvSpPr>
           <p:nvPr>
-            <p:ph type="subTitle" idx="1" sz="quarter"/>
+            <p:ph type="subTitle" sz="quarter" idx="1"/>
           </p:nvPr>
         </p:nvSpPr>
         <p:spPr/>
@@ -4257,14 +4420,8 @@
             </a:pPr>
             <a:r>
               <a:t>Starting with Amazon Bedrock
-</a:t>
-            </a:r>
-            <a:r>
-              <a:t>Summarizing an Audio File
-</a:t>
-            </a:r>
-            <a:r>
-              <a:t>Enable Logging in Bedrock
+Summarizing an Audio File
+Enable Logging in Bedrock
 </a:t>
             </a:r>
             <a:r>
@@ -4298,9 +4455,6 @@
               </a:rPr>
               <a:t>Deploying an AWS Lambda Function</a:t>
             </a:r>
-            <a:endParaRPr sz="4200" b="1" i="0">
-              <a:latin typeface="Times New Roman"/>
-            </a:endParaRPr>
           </a:p>
         </p:txBody>
       </p:sp>
@@ -4346,7 +4500,7 @@
 </file>
 
 <file path=ppt/slides/slide25.xml><?xml version="1.0" encoding="utf-8"?>
-<p:sld xmlns:a="http://schemas.openxmlformats.org/drawingml/2006/main" xmlns:p="http://schemas.openxmlformats.org/presentationml/2006/main" xmlns:r="http://schemas.openxmlformats.org/officeDocument/2006/relationships">
+<p:sld xmlns:a="http://schemas.openxmlformats.org/drawingml/2006/main" xmlns:r="http://schemas.openxmlformats.org/officeDocument/2006/relationships" xmlns:p="http://schemas.openxmlformats.org/presentationml/2006/main">
   <p:cSld>
     <p:spTree>
       <p:nvGrpSpPr>
@@ -4354,7 +4508,14 @@
         <p:cNvGrpSpPr/>
         <p:nvPr/>
       </p:nvGrpSpPr>
-      <p:grpSpPr/>
+      <p:grpSpPr>
+        <a:xfrm>
+          <a:off x="0" y="0"/>
+          <a:ext cx="0" cy="0"/>
+          <a:chOff x="0" y="0"/>
+          <a:chExt cx="0" cy="0"/>
+        </a:xfrm>
+      </p:grpSpPr>
       <p:sp>
         <p:nvSpPr>
           <p:cNvPr id="2" name="Title 1"/>
@@ -4460,7 +4621,7 @@
 </file>
 
 <file path=ppt/slides/slide26.xml><?xml version="1.0" encoding="utf-8"?>
-<p:sld xmlns:a="http://schemas.openxmlformats.org/drawingml/2006/main" xmlns:p="http://schemas.openxmlformats.org/presentationml/2006/main" xmlns:r="http://schemas.openxmlformats.org/officeDocument/2006/relationships">
+<p:sld xmlns:a="http://schemas.openxmlformats.org/drawingml/2006/main" xmlns:r="http://schemas.openxmlformats.org/officeDocument/2006/relationships" xmlns:p="http://schemas.openxmlformats.org/presentationml/2006/main">
   <p:cSld>
     <p:spTree>
       <p:nvGrpSpPr>
@@ -4468,7 +4629,14 @@
         <p:cNvGrpSpPr/>
         <p:nvPr/>
       </p:nvGrpSpPr>
-      <p:grpSpPr/>
+      <p:grpSpPr>
+        <a:xfrm>
+          <a:off x="0" y="0"/>
+          <a:ext cx="0" cy="0"/>
+          <a:chOff x="0" y="0"/>
+          <a:chExt cx="0" cy="0"/>
+        </a:xfrm>
+      </p:grpSpPr>
       <p:sp>
         <p:nvSpPr>
           <p:cNvPr id="2" name="Title 1"/>
@@ -4509,11 +4677,21 @@
               <a:t> Example:</a:t>
             </a:r>
           </a:p>
-          <a:p/>
-          <a:p/>
-          <a:p/>
-          <a:p/>
-          <a:p/>
+          <a:p>
+            <a:endParaRPr/>
+          </a:p>
+          <a:p>
+            <a:endParaRPr/>
+          </a:p>
+          <a:p>
+            <a:endParaRPr/>
+          </a:p>
+          <a:p>
+            <a:endParaRPr/>
+          </a:p>
+          <a:p>
+            <a:endParaRPr/>
+          </a:p>
         </p:txBody>
       </p:sp>
       <p:sp>
@@ -4565,8 +4743,8 @@
         </p:blipFill>
         <p:spPr>
           <a:xfrm>
-            <a:off x="0" y="1353312"/>
-            <a:ext cx="8636000" cy="3987800"/>
+            <a:off x="-1" y="1972835"/>
+            <a:ext cx="9168081" cy="4233496"/>
           </a:xfrm>
           <a:prstGeom prst="rect">
             <a:avLst/>
@@ -4582,7 +4760,7 @@
 </file>
 
 <file path=ppt/slides/slide27.xml><?xml version="1.0" encoding="utf-8"?>
-<p:sld xmlns:a="http://schemas.openxmlformats.org/drawingml/2006/main" xmlns:p="http://schemas.openxmlformats.org/presentationml/2006/main" xmlns:r="http://schemas.openxmlformats.org/officeDocument/2006/relationships">
+<p:sld xmlns:a="http://schemas.openxmlformats.org/drawingml/2006/main" xmlns:r="http://schemas.openxmlformats.org/officeDocument/2006/relationships" xmlns:p="http://schemas.openxmlformats.org/presentationml/2006/main">
   <p:cSld>
     <p:spTree>
       <p:nvGrpSpPr>
@@ -4590,7 +4768,14 @@
         <p:cNvGrpSpPr/>
         <p:nvPr/>
       </p:nvGrpSpPr>
-      <p:grpSpPr/>
+      <p:grpSpPr>
+        <a:xfrm>
+          <a:off x="0" y="0"/>
+          <a:ext cx="0" cy="0"/>
+          <a:chOff x="0" y="0"/>
+          <a:chExt cx="0" cy="0"/>
+        </a:xfrm>
+      </p:grpSpPr>
       <p:sp>
         <p:nvSpPr>
           <p:cNvPr id="2" name="Title 1"/>
@@ -4631,9 +4816,15 @@
               <a:t> Use AWS CLI for deployment:</a:t>
             </a:r>
           </a:p>
-          <a:p/>
-          <a:p/>
-          <a:p/>
+          <a:p>
+            <a:endParaRPr/>
+          </a:p>
+          <a:p>
+            <a:endParaRPr/>
+          </a:p>
+          <a:p>
+            <a:endParaRPr/>
+          </a:p>
         </p:txBody>
       </p:sp>
       <p:sp>
@@ -4685,8 +4876,8 @@
         </p:blipFill>
         <p:spPr>
           <a:xfrm>
-            <a:off x="0" y="1353312"/>
-            <a:ext cx="10922000" cy="1854200"/>
+            <a:off x="9525" y="2564941"/>
+            <a:ext cx="9363075" cy="1589545"/>
           </a:xfrm>
           <a:prstGeom prst="rect">
             <a:avLst/>
@@ -4702,7 +4893,7 @@
 </file>
 
 <file path=ppt/slides/slide28.xml><?xml version="1.0" encoding="utf-8"?>
-<p:sld xmlns:a="http://schemas.openxmlformats.org/drawingml/2006/main" xmlns:p="http://schemas.openxmlformats.org/presentationml/2006/main" xmlns:r="http://schemas.openxmlformats.org/officeDocument/2006/relationships">
+<p:sld xmlns:a="http://schemas.openxmlformats.org/drawingml/2006/main" xmlns:r="http://schemas.openxmlformats.org/officeDocument/2006/relationships" xmlns:p="http://schemas.openxmlformats.org/presentationml/2006/main">
   <p:cSld>
     <p:spTree>
       <p:nvGrpSpPr>
@@ -4710,7 +4901,14 @@
         <p:cNvGrpSpPr/>
         <p:nvPr/>
       </p:nvGrpSpPr>
-      <p:grpSpPr/>
+      <p:grpSpPr>
+        <a:xfrm>
+          <a:off x="0" y="0"/>
+          <a:ext cx="0" cy="0"/>
+          <a:chOff x="0" y="0"/>
+          <a:chExt cx="0" cy="0"/>
+        </a:xfrm>
+      </p:grpSpPr>
       <p:sp>
         <p:nvSpPr>
           <p:cNvPr id="2" name="Title 1"/>
@@ -4832,7 +5030,7 @@
 </file>
 
 <file path=ppt/slides/slide3.xml><?xml version="1.0" encoding="utf-8"?>
-<p:sld xmlns:a="http://schemas.openxmlformats.org/drawingml/2006/main" xmlns:p="http://schemas.openxmlformats.org/presentationml/2006/main" xmlns:r="http://schemas.openxmlformats.org/officeDocument/2006/relationships">
+<p:sld xmlns:a="http://schemas.openxmlformats.org/drawingml/2006/main" xmlns:r="http://schemas.openxmlformats.org/officeDocument/2006/relationships" xmlns:p="http://schemas.openxmlformats.org/presentationml/2006/main">
   <p:cSld>
     <p:spTree>
       <p:nvGrpSpPr>
@@ -4840,7 +5038,14 @@
         <p:cNvGrpSpPr/>
         <p:nvPr/>
       </p:nvGrpSpPr>
-      <p:grpSpPr/>
+      <p:grpSpPr>
+        <a:xfrm>
+          <a:off x="0" y="0"/>
+          <a:ext cx="0" cy="0"/>
+          <a:chOff x="0" y="0"/>
+          <a:chExt cx="0" cy="0"/>
+        </a:xfrm>
+      </p:grpSpPr>
       <p:sp>
         <p:nvSpPr>
           <p:cNvPr id="2" name="Title 1"/>
@@ -4970,7 +5175,7 @@
 </file>
 
 <file path=ppt/slides/slide4.xml><?xml version="1.0" encoding="utf-8"?>
-<p:sld xmlns:a="http://schemas.openxmlformats.org/drawingml/2006/main" xmlns:p="http://schemas.openxmlformats.org/presentationml/2006/main" xmlns:r="http://schemas.openxmlformats.org/officeDocument/2006/relationships">
+<p:sld xmlns:a="http://schemas.openxmlformats.org/drawingml/2006/main" xmlns:r="http://schemas.openxmlformats.org/officeDocument/2006/relationships" xmlns:p="http://schemas.openxmlformats.org/presentationml/2006/main">
   <p:cSld>
     <p:spTree>
       <p:nvGrpSpPr>
@@ -4978,7 +5183,14 @@
         <p:cNvGrpSpPr/>
         <p:nvPr/>
       </p:nvGrpSpPr>
-      <p:grpSpPr/>
+      <p:grpSpPr>
+        <a:xfrm>
+          <a:off x="0" y="0"/>
+          <a:ext cx="0" cy="0"/>
+          <a:chOff x="0" y="0"/>
+          <a:chExt cx="0" cy="0"/>
+        </a:xfrm>
+      </p:grpSpPr>
       <p:sp>
         <p:nvSpPr>
           <p:cNvPr id="2" name="Title 1"/>
@@ -5016,23 +5228,40 @@
           <a:lstStyle/>
           <a:p>
             <a:r>
+              <a:rPr dirty="0"/>
               <a:t> Import required libraries:</a:t>
             </a:r>
-          </a:p>
-          <a:p/>
-          <a:p/>
-          <a:p>
-            <a:r>
-              <a:rPr b="1"/>
+            <a:endParaRPr lang="en-US" dirty="0"/>
+          </a:p>
+          <a:p>
+            <a:endParaRPr lang="en-US" dirty="0"/>
+          </a:p>
+          <a:p>
+            <a:endParaRPr lang="en-US" dirty="0"/>
+          </a:p>
+          <a:p>
+            <a:endParaRPr dirty="0"/>
+          </a:p>
+          <a:p>
+            <a:endParaRPr dirty="0"/>
+          </a:p>
+          <a:p>
+            <a:endParaRPr dirty="0"/>
+          </a:p>
+          <a:p>
+            <a:r>
+              <a:rPr b="1" dirty="0"/>
               <a:t> Why this is critical</a:t>
             </a:r>
             <a:r>
+              <a:rPr dirty="0"/>
               <a:t> :</a:t>
             </a:r>
           </a:p>
           <a:p>
             <a:pPr lvl="1"/>
             <a:r>
+              <a:rPr dirty="0"/>
               <a:t> Ensures you have the right tools for invoking Bedrock’s API efficiently.</a:t>
             </a:r>
           </a:p>
@@ -5087,7 +5316,7 @@
         </p:blipFill>
         <p:spPr>
           <a:xfrm>
-            <a:off x="0" y="1353312"/>
+            <a:off x="0" y="1939131"/>
             <a:ext cx="5588000" cy="1320800"/>
           </a:xfrm>
           <a:prstGeom prst="rect">
@@ -5104,7 +5333,7 @@
 </file>
 
 <file path=ppt/slides/slide5.xml><?xml version="1.0" encoding="utf-8"?>
-<p:sld xmlns:a="http://schemas.openxmlformats.org/drawingml/2006/main" xmlns:p="http://schemas.openxmlformats.org/presentationml/2006/main" xmlns:r="http://schemas.openxmlformats.org/officeDocument/2006/relationships">
+<p:sld xmlns:a="http://schemas.openxmlformats.org/drawingml/2006/main" xmlns:r="http://schemas.openxmlformats.org/officeDocument/2006/relationships" xmlns:p="http://schemas.openxmlformats.org/presentationml/2006/main">
   <p:cSld>
     <p:spTree>
       <p:nvGrpSpPr>
@@ -5112,7 +5341,14 @@
         <p:cNvGrpSpPr/>
         <p:nvPr/>
       </p:nvGrpSpPr>
-      <p:grpSpPr/>
+      <p:grpSpPr>
+        <a:xfrm>
+          <a:off x="0" y="0"/>
+          <a:ext cx="0" cy="0"/>
+          <a:chOff x="0" y="0"/>
+          <a:chExt cx="0" cy="0"/>
+        </a:xfrm>
+      </p:grpSpPr>
       <p:sp>
         <p:nvSpPr>
           <p:cNvPr id="2" name="Title 1"/>
@@ -5218,7 +5454,7 @@
 </file>
 
 <file path=ppt/slides/slide6.xml><?xml version="1.0" encoding="utf-8"?>
-<p:sld xmlns:a="http://schemas.openxmlformats.org/drawingml/2006/main" xmlns:p="http://schemas.openxmlformats.org/presentationml/2006/main" xmlns:r="http://schemas.openxmlformats.org/officeDocument/2006/relationships">
+<p:sld xmlns:a="http://schemas.openxmlformats.org/drawingml/2006/main" xmlns:r="http://schemas.openxmlformats.org/officeDocument/2006/relationships" xmlns:p="http://schemas.openxmlformats.org/presentationml/2006/main">
   <p:cSld>
     <p:spTree>
       <p:nvGrpSpPr>
@@ -5226,7 +5462,14 @@
         <p:cNvGrpSpPr/>
         <p:nvPr/>
       </p:nvGrpSpPr>
-      <p:grpSpPr/>
+      <p:grpSpPr>
+        <a:xfrm>
+          <a:off x="0" y="0"/>
+          <a:ext cx="0" cy="0"/>
+          <a:chOff x="0" y="0"/>
+          <a:chExt cx="0" cy="0"/>
+        </a:xfrm>
+      </p:grpSpPr>
       <p:sp>
         <p:nvSpPr>
           <p:cNvPr id="2" name="Title 1"/>
@@ -5264,13 +5507,47 @@
           <a:lstStyle/>
           <a:p>
             <a:r>
+              <a:rPr dirty="0"/>
               <a:t> Example of generating text:</a:t>
             </a:r>
-          </a:p>
-          <a:p/>
-          <a:p/>
-          <a:p/>
-          <a:p/>
+            <a:endParaRPr lang="en-US" dirty="0"/>
+          </a:p>
+          <a:p>
+            <a:endParaRPr lang="en-US" dirty="0"/>
+          </a:p>
+          <a:p>
+            <a:endParaRPr lang="en-US" dirty="0"/>
+          </a:p>
+          <a:p>
+            <a:endParaRPr lang="en-US" dirty="0"/>
+          </a:p>
+          <a:p>
+            <a:endParaRPr lang="en-US" dirty="0"/>
+          </a:p>
+          <a:p>
+            <a:endParaRPr lang="en-US" dirty="0"/>
+          </a:p>
+          <a:p>
+            <a:endParaRPr lang="en-US" dirty="0"/>
+          </a:p>
+          <a:p>
+            <a:endParaRPr lang="en-US" dirty="0"/>
+          </a:p>
+          <a:p>
+            <a:endParaRPr dirty="0"/>
+          </a:p>
+          <a:p>
+            <a:endParaRPr dirty="0"/>
+          </a:p>
+          <a:p>
+            <a:endParaRPr dirty="0"/>
+          </a:p>
+          <a:p>
+            <a:endParaRPr dirty="0"/>
+          </a:p>
+          <a:p>
+            <a:endParaRPr dirty="0"/>
+          </a:p>
         </p:txBody>
       </p:sp>
       <p:sp>
@@ -5322,8 +5599,8 @@
         </p:blipFill>
         <p:spPr>
           <a:xfrm>
-            <a:off x="0" y="1353312"/>
-            <a:ext cx="9702800" cy="2654300"/>
+            <a:off x="-14288" y="2101751"/>
+            <a:ext cx="9386888" cy="2567879"/>
           </a:xfrm>
           <a:prstGeom prst="rect">
             <a:avLst/>
@@ -5339,7 +5616,7 @@
 </file>
 
 <file path=ppt/slides/slide7.xml><?xml version="1.0" encoding="utf-8"?>
-<p:sld xmlns:a="http://schemas.openxmlformats.org/drawingml/2006/main" xmlns:p="http://schemas.openxmlformats.org/presentationml/2006/main" xmlns:r="http://schemas.openxmlformats.org/officeDocument/2006/relationships">
+<p:sld xmlns:a="http://schemas.openxmlformats.org/drawingml/2006/main" xmlns:r="http://schemas.openxmlformats.org/officeDocument/2006/relationships" xmlns:p="http://schemas.openxmlformats.org/presentationml/2006/main">
   <p:cSld>
     <p:spTree>
       <p:nvGrpSpPr>
@@ -5347,7 +5624,14 @@
         <p:cNvGrpSpPr/>
         <p:nvPr/>
       </p:nvGrpSpPr>
-      <p:grpSpPr/>
+      <p:grpSpPr>
+        <a:xfrm>
+          <a:off x="0" y="0"/>
+          <a:ext cx="0" cy="0"/>
+          <a:chOff x="0" y="0"/>
+          <a:chExt cx="0" cy="0"/>
+        </a:xfrm>
+      </p:grpSpPr>
       <p:sp>
         <p:nvSpPr>
           <p:cNvPr id="2" name="Title 1"/>
@@ -5469,7 +5753,7 @@
 </file>
 
 <file path=ppt/slides/slide8.xml><?xml version="1.0" encoding="utf-8"?>
-<p:sld xmlns:a="http://schemas.openxmlformats.org/drawingml/2006/main" xmlns:p="http://schemas.openxmlformats.org/presentationml/2006/main" xmlns:r="http://schemas.openxmlformats.org/officeDocument/2006/relationships">
+<p:sld xmlns:a="http://schemas.openxmlformats.org/drawingml/2006/main" xmlns:r="http://schemas.openxmlformats.org/officeDocument/2006/relationships" xmlns:p="http://schemas.openxmlformats.org/presentationml/2006/main">
   <p:cSld>
     <p:spTree>
       <p:nvGrpSpPr>
@@ -5477,7 +5761,14 @@
         <p:cNvGrpSpPr/>
         <p:nvPr/>
       </p:nvGrpSpPr>
-      <p:grpSpPr/>
+      <p:grpSpPr>
+        <a:xfrm>
+          <a:off x="0" y="0"/>
+          <a:ext cx="0" cy="0"/>
+          <a:chOff x="0" y="0"/>
+          <a:chExt cx="0" cy="0"/>
+        </a:xfrm>
+      </p:grpSpPr>
       <p:sp>
         <p:nvSpPr>
           <p:cNvPr id="2" name="Title 1"/>
@@ -5599,7 +5890,7 @@
 </file>
 
 <file path=ppt/slides/slide9.xml><?xml version="1.0" encoding="utf-8"?>
-<p:sld xmlns:a="http://schemas.openxmlformats.org/drawingml/2006/main" xmlns:p="http://schemas.openxmlformats.org/presentationml/2006/main" xmlns:r="http://schemas.openxmlformats.org/officeDocument/2006/relationships">
+<p:sld xmlns:a="http://schemas.openxmlformats.org/drawingml/2006/main" xmlns:r="http://schemas.openxmlformats.org/officeDocument/2006/relationships" xmlns:p="http://schemas.openxmlformats.org/presentationml/2006/main">
   <p:cSld>
     <p:spTree>
       <p:nvGrpSpPr>
@@ -5607,7 +5898,14 @@
         <p:cNvGrpSpPr/>
         <p:nvPr/>
       </p:nvGrpSpPr>
-      <p:grpSpPr/>
+      <p:grpSpPr>
+        <a:xfrm>
+          <a:off x="0" y="0"/>
+          <a:ext cx="0" cy="0"/>
+          <a:chOff x="0" y="0"/>
+          <a:chExt cx="0" cy="0"/>
+        </a:xfrm>
+      </p:grpSpPr>
       <p:sp>
         <p:nvSpPr>
           <p:cNvPr id="2" name="Title 1"/>
